--- a/Poster_Light_Analyzer.pptx
+++ b/Poster_Light_Analyzer.pptx
@@ -104,6 +104,11 @@
       </a:defRPr>
     </a:lvl9pPr>
   </p:defaultTextStyle>
+  <p:extLst>
+    <p:ext uri="{EFAFB233-063F-42B5-8137-9DF3F51BA10A}">
+      <p15:sldGuideLst xmlns:p15="http://schemas.microsoft.com/office/powerpoint/2012/main"/>
+    </p:ext>
+  </p:extLst>
 </p:presentation>
 </file>
 
@@ -3075,8 +3080,8 @@
         </p:nvSpPr>
         <p:spPr>
           <a:xfrm>
-            <a:off x="7924835" y="28782009"/>
-            <a:ext cx="1507144" cy="461665"/>
+            <a:off x="7471228" y="28854672"/>
+            <a:ext cx="1558440" cy="461665"/>
           </a:xfrm>
           <a:prstGeom prst="rect">
             <a:avLst/>
@@ -3090,7 +3095,7 @@
           <a:lstStyle/>
           <a:p>
             <a:r>
-              <a:rPr lang="fr-FR" sz="2400" dirty="0">
+              <a:rPr lang="fr-FR" sz="2400" b="1" dirty="0">
                 <a:solidFill>
                   <a:srgbClr val="002F5E"/>
                 </a:solidFill>
@@ -3115,7 +3120,7 @@
         </p:nvSpPr>
         <p:spPr>
           <a:xfrm>
-            <a:off x="9578916" y="28580089"/>
+            <a:off x="9471994" y="28580536"/>
             <a:ext cx="4070345" cy="830997"/>
           </a:xfrm>
           <a:prstGeom prst="rect">
@@ -3155,8 +3160,8 @@
         </p:nvSpPr>
         <p:spPr>
           <a:xfrm>
-            <a:off x="8148282" y="29493002"/>
-            <a:ext cx="5087060" cy="400110"/>
+            <a:off x="7971778" y="29488451"/>
+            <a:ext cx="5310507" cy="400110"/>
           </a:xfrm>
           <a:prstGeom prst="rect">
             <a:avLst/>
@@ -3171,7 +3176,7 @@
           <a:p>
             <a:pPr algn="ctr"/>
             <a:r>
-              <a:rPr lang="fr-FR" sz="2000" dirty="0">
+              <a:rPr lang="fr-FR" sz="2000" b="1" dirty="0">
                 <a:solidFill>
                   <a:srgbClr val="002F5E"/>
                 </a:solidFill>
@@ -3212,7 +3217,7 @@
           <a:p>
             <a:pPr algn="ctr"/>
             <a:r>
-              <a:rPr lang="fr-FR" sz="2000" dirty="0">
+              <a:rPr lang="fr-FR" sz="2000" b="1" dirty="0">
                 <a:solidFill>
                   <a:srgbClr val="002F5E"/>
                 </a:solidFill>
@@ -3333,7 +3338,7 @@
         <p:spPr>
           <a:xfrm>
             <a:off x="1037725" y="1686767"/>
-            <a:ext cx="1295547" cy="369332"/>
+            <a:ext cx="1342034" cy="369332"/>
           </a:xfrm>
           <a:prstGeom prst="rect">
             <a:avLst/>
@@ -3347,7 +3352,7 @@
           <a:lstStyle/>
           <a:p>
             <a:r>
-              <a:rPr lang="fr-FR" dirty="0">
+              <a:rPr lang="fr-FR" b="1" dirty="0">
                 <a:solidFill>
                   <a:srgbClr val="002F5E"/>
                 </a:solidFill>
@@ -3904,7 +3909,7 @@
         </p:nvSpPr>
         <p:spPr>
           <a:xfrm>
-            <a:off x="16397472" y="29134535"/>
+            <a:off x="15980441" y="29066716"/>
             <a:ext cx="3427541" cy="830997"/>
           </a:xfrm>
           <a:prstGeom prst="rect">
@@ -3958,8 +3963,8 @@
         </p:nvSpPr>
         <p:spPr>
           <a:xfrm>
-            <a:off x="16240211" y="28765203"/>
-            <a:ext cx="1483098" cy="369332"/>
+            <a:off x="15823180" y="28697384"/>
+            <a:ext cx="1527982" cy="369332"/>
           </a:xfrm>
           <a:prstGeom prst="rect">
             <a:avLst/>
@@ -3973,7 +3978,7 @@
           <a:lstStyle/>
           <a:p>
             <a:r>
-              <a:rPr lang="fr-FR" dirty="0">
+              <a:rPr lang="fr-FR" b="1" dirty="0">
                 <a:solidFill>
                   <a:srgbClr val="002F5E"/>
                 </a:solidFill>

--- a/Poster_Light_Analyzer.pptx
+++ b/Poster_Light_Analyzer.pptx
@@ -3572,7 +3572,7 @@
         </p:nvSpPr>
         <p:spPr>
           <a:xfrm>
-            <a:off x="1931333" y="6205176"/>
+            <a:off x="1931333" y="6483475"/>
             <a:ext cx="3669594" cy="1015663"/>
           </a:xfrm>
           <a:prstGeom prst="rect">
@@ -9231,7 +9231,7 @@
         </p:nvSpPr>
         <p:spPr>
           <a:xfrm>
-            <a:off x="14709494" y="12198831"/>
+            <a:off x="14617534" y="12437543"/>
             <a:ext cx="5139548" cy="1015663"/>
           </a:xfrm>
           <a:prstGeom prst="rect">
